--- a/ppt 16-9/0683.快乐日光.pptx
+++ b/ppt 16-9/0683.快乐日光.pptx
@@ -129,7 +129,7 @@
           <p:cNvPr id="2" name="标题 1">
             <a:extLst>
               <a:ext uri="{FF2B5EF4-FFF2-40B4-BE49-F238E27FC236}">
-                <a16:creationId xmlns:a16="http://schemas.microsoft.com/office/drawing/2014/main" id="{3CDC58FE-4500-4532-BDDB-CF87EBF65253}"/>
+                <a16:creationId xmlns:a16="http://schemas.microsoft.com/office/drawing/2014/main" id="{DDD1C151-111F-E260-0CA2-FA91B7221A1A}"/>
               </a:ext>
             </a:extLst>
           </p:cNvPr>
@@ -166,7 +166,7 @@
           <p:cNvPr id="3" name="副标题 2">
             <a:extLst>
               <a:ext uri="{FF2B5EF4-FFF2-40B4-BE49-F238E27FC236}">
-                <a16:creationId xmlns:a16="http://schemas.microsoft.com/office/drawing/2014/main" id="{CF7FAD63-B1C2-7CC3-7472-3C08ABF621D7}"/>
+                <a16:creationId xmlns:a16="http://schemas.microsoft.com/office/drawing/2014/main" id="{4CC00616-C4A8-2956-BC65-A35D1F35DA31}"/>
               </a:ext>
             </a:extLst>
           </p:cNvPr>
@@ -236,7 +236,7 @@
           <p:cNvPr id="4" name="日期占位符 3">
             <a:extLst>
               <a:ext uri="{FF2B5EF4-FFF2-40B4-BE49-F238E27FC236}">
-                <a16:creationId xmlns:a16="http://schemas.microsoft.com/office/drawing/2014/main" id="{18BB3152-0ABB-A854-BD62-1FDE1E4C0441}"/>
+                <a16:creationId xmlns:a16="http://schemas.microsoft.com/office/drawing/2014/main" id="{CF5E75E1-0E61-E9C6-C976-6CC52FA075D6}"/>
               </a:ext>
             </a:extLst>
           </p:cNvPr>
@@ -252,7 +252,7 @@
           <a:bodyPr/>
           <a:lstStyle/>
           <a:p>
-            <a:fld id="{DCC44405-8012-4602-95A8-2E5ED3C029F3}" type="datetimeFigureOut">
+            <a:fld id="{BD9B83D7-781A-4EB2-A521-E5EECA1D01CB}" type="datetimeFigureOut">
               <a:rPr lang="zh-CN" altLang="en-US" smtClean="0"/>
               <a:t>2024/3/10</a:t>
             </a:fld>
@@ -265,7 +265,7 @@
           <p:cNvPr id="5" name="页脚占位符 4">
             <a:extLst>
               <a:ext uri="{FF2B5EF4-FFF2-40B4-BE49-F238E27FC236}">
-                <a16:creationId xmlns:a16="http://schemas.microsoft.com/office/drawing/2014/main" id="{09F0F22E-04CB-181A-B541-B74B4042472F}"/>
+                <a16:creationId xmlns:a16="http://schemas.microsoft.com/office/drawing/2014/main" id="{5C61F8E7-4902-66B8-F7C9-1A66F6108BC5}"/>
               </a:ext>
             </a:extLst>
           </p:cNvPr>
@@ -290,7 +290,7 @@
           <p:cNvPr id="6" name="灯片编号占位符 5">
             <a:extLst>
               <a:ext uri="{FF2B5EF4-FFF2-40B4-BE49-F238E27FC236}">
-                <a16:creationId xmlns:a16="http://schemas.microsoft.com/office/drawing/2014/main" id="{C22F93D3-75B2-9278-902F-C8C551AC5CB8}"/>
+                <a16:creationId xmlns:a16="http://schemas.microsoft.com/office/drawing/2014/main" id="{384954B1-345D-DB13-F7BA-7D307E3843E6}"/>
               </a:ext>
             </a:extLst>
           </p:cNvPr>
@@ -306,7 +306,7 @@
           <a:bodyPr/>
           <a:lstStyle/>
           <a:p>
-            <a:fld id="{062F8110-5C67-4BFC-BFA1-D26EC31FEBF0}" type="slidenum">
+            <a:fld id="{5C477F2F-1676-4003-9FC9-2E709787525D}" type="slidenum">
               <a:rPr lang="zh-CN" altLang="en-US" smtClean="0"/>
               <a:t>‹#›</a:t>
             </a:fld>
@@ -317,7 +317,7 @@
     </p:spTree>
     <p:extLst>
       <p:ext uri="{BB962C8B-B14F-4D97-AF65-F5344CB8AC3E}">
-        <p14:creationId xmlns:p14="http://schemas.microsoft.com/office/powerpoint/2010/main" val="2223118130"/>
+        <p14:creationId xmlns:p14="http://schemas.microsoft.com/office/powerpoint/2010/main" val="383112897"/>
       </p:ext>
     </p:extLst>
   </p:cSld>
@@ -349,7 +349,7 @@
           <p:cNvPr id="2" name="标题 1">
             <a:extLst>
               <a:ext uri="{FF2B5EF4-FFF2-40B4-BE49-F238E27FC236}">
-                <a16:creationId xmlns:a16="http://schemas.microsoft.com/office/drawing/2014/main" id="{74412708-2F57-B18C-2546-243876833E92}"/>
+                <a16:creationId xmlns:a16="http://schemas.microsoft.com/office/drawing/2014/main" id="{2F75EE59-FC77-7CBC-BF45-0828C6056AD7}"/>
               </a:ext>
             </a:extLst>
           </p:cNvPr>
@@ -377,7 +377,7 @@
           <p:cNvPr id="3" name="竖排文字占位符 2">
             <a:extLst>
               <a:ext uri="{FF2B5EF4-FFF2-40B4-BE49-F238E27FC236}">
-                <a16:creationId xmlns:a16="http://schemas.microsoft.com/office/drawing/2014/main" id="{D7C5411F-C622-89F2-F33D-C88C0D1C076F}"/>
+                <a16:creationId xmlns:a16="http://schemas.microsoft.com/office/drawing/2014/main" id="{BAEA8D13-68FC-3510-8C7B-E0892417E8A7}"/>
               </a:ext>
             </a:extLst>
           </p:cNvPr>
@@ -434,7 +434,7 @@
           <p:cNvPr id="4" name="日期占位符 3">
             <a:extLst>
               <a:ext uri="{FF2B5EF4-FFF2-40B4-BE49-F238E27FC236}">
-                <a16:creationId xmlns:a16="http://schemas.microsoft.com/office/drawing/2014/main" id="{118DB3D4-1DB1-DA84-E777-C88359D41B76}"/>
+                <a16:creationId xmlns:a16="http://schemas.microsoft.com/office/drawing/2014/main" id="{32EC423B-0247-FBFE-DD41-DD7DFDD21B3D}"/>
               </a:ext>
             </a:extLst>
           </p:cNvPr>
@@ -450,7 +450,7 @@
           <a:bodyPr/>
           <a:lstStyle/>
           <a:p>
-            <a:fld id="{DCC44405-8012-4602-95A8-2E5ED3C029F3}" type="datetimeFigureOut">
+            <a:fld id="{BD9B83D7-781A-4EB2-A521-E5EECA1D01CB}" type="datetimeFigureOut">
               <a:rPr lang="zh-CN" altLang="en-US" smtClean="0"/>
               <a:t>2024/3/10</a:t>
             </a:fld>
@@ -463,7 +463,7 @@
           <p:cNvPr id="5" name="页脚占位符 4">
             <a:extLst>
               <a:ext uri="{FF2B5EF4-FFF2-40B4-BE49-F238E27FC236}">
-                <a16:creationId xmlns:a16="http://schemas.microsoft.com/office/drawing/2014/main" id="{8D578C72-CB58-B85C-F676-92F38BD7719C}"/>
+                <a16:creationId xmlns:a16="http://schemas.microsoft.com/office/drawing/2014/main" id="{8489DB9D-20AD-E783-BD0B-6A1A9D7E7558}"/>
               </a:ext>
             </a:extLst>
           </p:cNvPr>
@@ -488,7 +488,7 @@
           <p:cNvPr id="6" name="灯片编号占位符 5">
             <a:extLst>
               <a:ext uri="{FF2B5EF4-FFF2-40B4-BE49-F238E27FC236}">
-                <a16:creationId xmlns:a16="http://schemas.microsoft.com/office/drawing/2014/main" id="{B7934936-3624-97BF-E5F0-E8881C690D89}"/>
+                <a16:creationId xmlns:a16="http://schemas.microsoft.com/office/drawing/2014/main" id="{7D27E069-FBB7-A8E0-83B2-58F52C7D89A5}"/>
               </a:ext>
             </a:extLst>
           </p:cNvPr>
@@ -504,7 +504,7 @@
           <a:bodyPr/>
           <a:lstStyle/>
           <a:p>
-            <a:fld id="{062F8110-5C67-4BFC-BFA1-D26EC31FEBF0}" type="slidenum">
+            <a:fld id="{5C477F2F-1676-4003-9FC9-2E709787525D}" type="slidenum">
               <a:rPr lang="zh-CN" altLang="en-US" smtClean="0"/>
               <a:t>‹#›</a:t>
             </a:fld>
@@ -515,7 +515,7 @@
     </p:spTree>
     <p:extLst>
       <p:ext uri="{BB962C8B-B14F-4D97-AF65-F5344CB8AC3E}">
-        <p14:creationId xmlns:p14="http://schemas.microsoft.com/office/powerpoint/2010/main" val="4096187107"/>
+        <p14:creationId xmlns:p14="http://schemas.microsoft.com/office/powerpoint/2010/main" val="999928981"/>
       </p:ext>
     </p:extLst>
   </p:cSld>
@@ -547,7 +547,7 @@
           <p:cNvPr id="2" name="竖排标题 1">
             <a:extLst>
               <a:ext uri="{FF2B5EF4-FFF2-40B4-BE49-F238E27FC236}">
-                <a16:creationId xmlns:a16="http://schemas.microsoft.com/office/drawing/2014/main" id="{EE692485-0209-857B-3A74-3D29156B59EA}"/>
+                <a16:creationId xmlns:a16="http://schemas.microsoft.com/office/drawing/2014/main" id="{BE02136B-81DA-698C-F003-1BB3CE3CC5EA}"/>
               </a:ext>
             </a:extLst>
           </p:cNvPr>
@@ -580,7 +580,7 @@
           <p:cNvPr id="3" name="竖排文字占位符 2">
             <a:extLst>
               <a:ext uri="{FF2B5EF4-FFF2-40B4-BE49-F238E27FC236}">
-                <a16:creationId xmlns:a16="http://schemas.microsoft.com/office/drawing/2014/main" id="{D0FFEB99-877A-2662-AB0F-1A4CDCE266F4}"/>
+                <a16:creationId xmlns:a16="http://schemas.microsoft.com/office/drawing/2014/main" id="{1E27DA44-9EE0-1264-0899-2D8F6A84642C}"/>
               </a:ext>
             </a:extLst>
           </p:cNvPr>
@@ -642,7 +642,7 @@
           <p:cNvPr id="4" name="日期占位符 3">
             <a:extLst>
               <a:ext uri="{FF2B5EF4-FFF2-40B4-BE49-F238E27FC236}">
-                <a16:creationId xmlns:a16="http://schemas.microsoft.com/office/drawing/2014/main" id="{5867B958-BCA4-4F4A-EEB2-4DD42F0E05E8}"/>
+                <a16:creationId xmlns:a16="http://schemas.microsoft.com/office/drawing/2014/main" id="{24415276-FB80-7830-0B2A-49DF6872B83D}"/>
               </a:ext>
             </a:extLst>
           </p:cNvPr>
@@ -658,7 +658,7 @@
           <a:bodyPr/>
           <a:lstStyle/>
           <a:p>
-            <a:fld id="{DCC44405-8012-4602-95A8-2E5ED3C029F3}" type="datetimeFigureOut">
+            <a:fld id="{BD9B83D7-781A-4EB2-A521-E5EECA1D01CB}" type="datetimeFigureOut">
               <a:rPr lang="zh-CN" altLang="en-US" smtClean="0"/>
               <a:t>2024/3/10</a:t>
             </a:fld>
@@ -671,7 +671,7 @@
           <p:cNvPr id="5" name="页脚占位符 4">
             <a:extLst>
               <a:ext uri="{FF2B5EF4-FFF2-40B4-BE49-F238E27FC236}">
-                <a16:creationId xmlns:a16="http://schemas.microsoft.com/office/drawing/2014/main" id="{85DB3D38-52A1-7C71-998E-03B8DED42858}"/>
+                <a16:creationId xmlns:a16="http://schemas.microsoft.com/office/drawing/2014/main" id="{3F37CA5A-FE52-6C57-89B9-582E8610C590}"/>
               </a:ext>
             </a:extLst>
           </p:cNvPr>
@@ -696,7 +696,7 @@
           <p:cNvPr id="6" name="灯片编号占位符 5">
             <a:extLst>
               <a:ext uri="{FF2B5EF4-FFF2-40B4-BE49-F238E27FC236}">
-                <a16:creationId xmlns:a16="http://schemas.microsoft.com/office/drawing/2014/main" id="{73961FDB-2FA8-733F-36DC-CBC338FD7794}"/>
+                <a16:creationId xmlns:a16="http://schemas.microsoft.com/office/drawing/2014/main" id="{B548E9CC-4F0A-26EF-3F6A-C04813332058}"/>
               </a:ext>
             </a:extLst>
           </p:cNvPr>
@@ -712,7 +712,7 @@
           <a:bodyPr/>
           <a:lstStyle/>
           <a:p>
-            <a:fld id="{062F8110-5C67-4BFC-BFA1-D26EC31FEBF0}" type="slidenum">
+            <a:fld id="{5C477F2F-1676-4003-9FC9-2E709787525D}" type="slidenum">
               <a:rPr lang="zh-CN" altLang="en-US" smtClean="0"/>
               <a:t>‹#›</a:t>
             </a:fld>
@@ -723,7 +723,7 @@
     </p:spTree>
     <p:extLst>
       <p:ext uri="{BB962C8B-B14F-4D97-AF65-F5344CB8AC3E}">
-        <p14:creationId xmlns:p14="http://schemas.microsoft.com/office/powerpoint/2010/main" val="3712301436"/>
+        <p14:creationId xmlns:p14="http://schemas.microsoft.com/office/powerpoint/2010/main" val="3132729044"/>
       </p:ext>
     </p:extLst>
   </p:cSld>
@@ -755,7 +755,7 @@
           <p:cNvPr id="2" name="标题 1">
             <a:extLst>
               <a:ext uri="{FF2B5EF4-FFF2-40B4-BE49-F238E27FC236}">
-                <a16:creationId xmlns:a16="http://schemas.microsoft.com/office/drawing/2014/main" id="{65B5F685-4F5F-60E5-8DF2-2A76A366FCD6}"/>
+                <a16:creationId xmlns:a16="http://schemas.microsoft.com/office/drawing/2014/main" id="{075FB075-205F-63F0-6C7B-557F21A8B5E7}"/>
               </a:ext>
             </a:extLst>
           </p:cNvPr>
@@ -783,7 +783,7 @@
           <p:cNvPr id="3" name="内容占位符 2">
             <a:extLst>
               <a:ext uri="{FF2B5EF4-FFF2-40B4-BE49-F238E27FC236}">
-                <a16:creationId xmlns:a16="http://schemas.microsoft.com/office/drawing/2014/main" id="{D50FA348-FD88-339C-D8E5-2D56AD612DF4}"/>
+                <a16:creationId xmlns:a16="http://schemas.microsoft.com/office/drawing/2014/main" id="{79C20E56-A811-6EA2-B041-6B701894E19F}"/>
               </a:ext>
             </a:extLst>
           </p:cNvPr>
@@ -840,7 +840,7 @@
           <p:cNvPr id="4" name="日期占位符 3">
             <a:extLst>
               <a:ext uri="{FF2B5EF4-FFF2-40B4-BE49-F238E27FC236}">
-                <a16:creationId xmlns:a16="http://schemas.microsoft.com/office/drawing/2014/main" id="{5245210C-AEE7-56B1-A8BE-CD316DFE9BE7}"/>
+                <a16:creationId xmlns:a16="http://schemas.microsoft.com/office/drawing/2014/main" id="{60D7049F-7764-6615-E8D6-BCCAE11EB105}"/>
               </a:ext>
             </a:extLst>
           </p:cNvPr>
@@ -856,7 +856,7 @@
           <a:bodyPr/>
           <a:lstStyle/>
           <a:p>
-            <a:fld id="{DCC44405-8012-4602-95A8-2E5ED3C029F3}" type="datetimeFigureOut">
+            <a:fld id="{BD9B83D7-781A-4EB2-A521-E5EECA1D01CB}" type="datetimeFigureOut">
               <a:rPr lang="zh-CN" altLang="en-US" smtClean="0"/>
               <a:t>2024/3/10</a:t>
             </a:fld>
@@ -869,7 +869,7 @@
           <p:cNvPr id="5" name="页脚占位符 4">
             <a:extLst>
               <a:ext uri="{FF2B5EF4-FFF2-40B4-BE49-F238E27FC236}">
-                <a16:creationId xmlns:a16="http://schemas.microsoft.com/office/drawing/2014/main" id="{DE3A190F-9DD0-55C9-6CB6-5723E9626CDE}"/>
+                <a16:creationId xmlns:a16="http://schemas.microsoft.com/office/drawing/2014/main" id="{A63DF3A3-6C47-F343-0DF9-595250B0896D}"/>
               </a:ext>
             </a:extLst>
           </p:cNvPr>
@@ -894,7 +894,7 @@
           <p:cNvPr id="6" name="灯片编号占位符 5">
             <a:extLst>
               <a:ext uri="{FF2B5EF4-FFF2-40B4-BE49-F238E27FC236}">
-                <a16:creationId xmlns:a16="http://schemas.microsoft.com/office/drawing/2014/main" id="{A349372D-9E7F-D83B-103E-AD4BF8306710}"/>
+                <a16:creationId xmlns:a16="http://schemas.microsoft.com/office/drawing/2014/main" id="{B58E3AC3-DF0A-1FC2-D097-235A2F629F55}"/>
               </a:ext>
             </a:extLst>
           </p:cNvPr>
@@ -910,7 +910,7 @@
           <a:bodyPr/>
           <a:lstStyle/>
           <a:p>
-            <a:fld id="{062F8110-5C67-4BFC-BFA1-D26EC31FEBF0}" type="slidenum">
+            <a:fld id="{5C477F2F-1676-4003-9FC9-2E709787525D}" type="slidenum">
               <a:rPr lang="zh-CN" altLang="en-US" smtClean="0"/>
               <a:t>‹#›</a:t>
             </a:fld>
@@ -921,7 +921,7 @@
     </p:spTree>
     <p:extLst>
       <p:ext uri="{BB962C8B-B14F-4D97-AF65-F5344CB8AC3E}">
-        <p14:creationId xmlns:p14="http://schemas.microsoft.com/office/powerpoint/2010/main" val="1570808522"/>
+        <p14:creationId xmlns:p14="http://schemas.microsoft.com/office/powerpoint/2010/main" val="3803028148"/>
       </p:ext>
     </p:extLst>
   </p:cSld>
@@ -953,7 +953,7 @@
           <p:cNvPr id="2" name="标题 1">
             <a:extLst>
               <a:ext uri="{FF2B5EF4-FFF2-40B4-BE49-F238E27FC236}">
-                <a16:creationId xmlns:a16="http://schemas.microsoft.com/office/drawing/2014/main" id="{30AB213D-0DA7-B0B4-BA31-365C21B4E431}"/>
+                <a16:creationId xmlns:a16="http://schemas.microsoft.com/office/drawing/2014/main" id="{C48AB1EA-3659-B547-6038-7200912FA725}"/>
               </a:ext>
             </a:extLst>
           </p:cNvPr>
@@ -990,7 +990,7 @@
           <p:cNvPr id="3" name="文本占位符 2">
             <a:extLst>
               <a:ext uri="{FF2B5EF4-FFF2-40B4-BE49-F238E27FC236}">
-                <a16:creationId xmlns:a16="http://schemas.microsoft.com/office/drawing/2014/main" id="{09B0B642-9EF0-0082-B440-9602FB8BD5A2}"/>
+                <a16:creationId xmlns:a16="http://schemas.microsoft.com/office/drawing/2014/main" id="{086C6BB8-1A0A-5D19-4FD8-A35E4429338D}"/>
               </a:ext>
             </a:extLst>
           </p:cNvPr>
@@ -1115,7 +1115,7 @@
           <p:cNvPr id="4" name="日期占位符 3">
             <a:extLst>
               <a:ext uri="{FF2B5EF4-FFF2-40B4-BE49-F238E27FC236}">
-                <a16:creationId xmlns:a16="http://schemas.microsoft.com/office/drawing/2014/main" id="{0C01160B-EACF-3741-0AB2-DEF742965CC5}"/>
+                <a16:creationId xmlns:a16="http://schemas.microsoft.com/office/drawing/2014/main" id="{EE094234-41BF-B9A0-8B32-4A507DDCB006}"/>
               </a:ext>
             </a:extLst>
           </p:cNvPr>
@@ -1131,7 +1131,7 @@
           <a:bodyPr/>
           <a:lstStyle/>
           <a:p>
-            <a:fld id="{DCC44405-8012-4602-95A8-2E5ED3C029F3}" type="datetimeFigureOut">
+            <a:fld id="{BD9B83D7-781A-4EB2-A521-E5EECA1D01CB}" type="datetimeFigureOut">
               <a:rPr lang="zh-CN" altLang="en-US" smtClean="0"/>
               <a:t>2024/3/10</a:t>
             </a:fld>
@@ -1144,7 +1144,7 @@
           <p:cNvPr id="5" name="页脚占位符 4">
             <a:extLst>
               <a:ext uri="{FF2B5EF4-FFF2-40B4-BE49-F238E27FC236}">
-                <a16:creationId xmlns:a16="http://schemas.microsoft.com/office/drawing/2014/main" id="{AFFC974D-4F31-3E44-2ED4-EF8E9B4AAA32}"/>
+                <a16:creationId xmlns:a16="http://schemas.microsoft.com/office/drawing/2014/main" id="{E03AE9A0-AAD0-6808-77E5-A0C0704EB182}"/>
               </a:ext>
             </a:extLst>
           </p:cNvPr>
@@ -1169,7 +1169,7 @@
           <p:cNvPr id="6" name="灯片编号占位符 5">
             <a:extLst>
               <a:ext uri="{FF2B5EF4-FFF2-40B4-BE49-F238E27FC236}">
-                <a16:creationId xmlns:a16="http://schemas.microsoft.com/office/drawing/2014/main" id="{DE0E181F-6F53-2DEB-B91D-6CCD14BBC838}"/>
+                <a16:creationId xmlns:a16="http://schemas.microsoft.com/office/drawing/2014/main" id="{05F0C1EE-18E9-72F3-9477-EB1279E47C94}"/>
               </a:ext>
             </a:extLst>
           </p:cNvPr>
@@ -1185,7 +1185,7 @@
           <a:bodyPr/>
           <a:lstStyle/>
           <a:p>
-            <a:fld id="{062F8110-5C67-4BFC-BFA1-D26EC31FEBF0}" type="slidenum">
+            <a:fld id="{5C477F2F-1676-4003-9FC9-2E709787525D}" type="slidenum">
               <a:rPr lang="zh-CN" altLang="en-US" smtClean="0"/>
               <a:t>‹#›</a:t>
             </a:fld>
@@ -1196,7 +1196,7 @@
     </p:spTree>
     <p:extLst>
       <p:ext uri="{BB962C8B-B14F-4D97-AF65-F5344CB8AC3E}">
-        <p14:creationId xmlns:p14="http://schemas.microsoft.com/office/powerpoint/2010/main" val="127545428"/>
+        <p14:creationId xmlns:p14="http://schemas.microsoft.com/office/powerpoint/2010/main" val="952338001"/>
       </p:ext>
     </p:extLst>
   </p:cSld>
@@ -1228,7 +1228,7 @@
           <p:cNvPr id="2" name="标题 1">
             <a:extLst>
               <a:ext uri="{FF2B5EF4-FFF2-40B4-BE49-F238E27FC236}">
-                <a16:creationId xmlns:a16="http://schemas.microsoft.com/office/drawing/2014/main" id="{D03FF745-9392-A538-CC54-DEF430AFB5ED}"/>
+                <a16:creationId xmlns:a16="http://schemas.microsoft.com/office/drawing/2014/main" id="{AD3BA585-A93B-1119-C476-4CB924B76300}"/>
               </a:ext>
             </a:extLst>
           </p:cNvPr>
@@ -1256,7 +1256,7 @@
           <p:cNvPr id="3" name="内容占位符 2">
             <a:extLst>
               <a:ext uri="{FF2B5EF4-FFF2-40B4-BE49-F238E27FC236}">
-                <a16:creationId xmlns:a16="http://schemas.microsoft.com/office/drawing/2014/main" id="{8E45DAF2-BDD4-B75A-9657-C6E2B89FA724}"/>
+                <a16:creationId xmlns:a16="http://schemas.microsoft.com/office/drawing/2014/main" id="{A62FD6D5-A1FA-F1CA-54AE-BA4073E6A2B4}"/>
               </a:ext>
             </a:extLst>
           </p:cNvPr>
@@ -1318,7 +1318,7 @@
           <p:cNvPr id="4" name="内容占位符 3">
             <a:extLst>
               <a:ext uri="{FF2B5EF4-FFF2-40B4-BE49-F238E27FC236}">
-                <a16:creationId xmlns:a16="http://schemas.microsoft.com/office/drawing/2014/main" id="{C8553720-3722-3CEC-8E4D-5626826DC9D6}"/>
+                <a16:creationId xmlns:a16="http://schemas.microsoft.com/office/drawing/2014/main" id="{86E4BF53-72B9-2C58-49C4-390B704678CF}"/>
               </a:ext>
             </a:extLst>
           </p:cNvPr>
@@ -1380,7 +1380,7 @@
           <p:cNvPr id="5" name="日期占位符 4">
             <a:extLst>
               <a:ext uri="{FF2B5EF4-FFF2-40B4-BE49-F238E27FC236}">
-                <a16:creationId xmlns:a16="http://schemas.microsoft.com/office/drawing/2014/main" id="{4515388B-9240-FDC1-17DC-FEC7541AA7E8}"/>
+                <a16:creationId xmlns:a16="http://schemas.microsoft.com/office/drawing/2014/main" id="{547A9F3A-E17D-7FB4-0918-44E43255B1A4}"/>
               </a:ext>
             </a:extLst>
           </p:cNvPr>
@@ -1396,7 +1396,7 @@
           <a:bodyPr/>
           <a:lstStyle/>
           <a:p>
-            <a:fld id="{DCC44405-8012-4602-95A8-2E5ED3C029F3}" type="datetimeFigureOut">
+            <a:fld id="{BD9B83D7-781A-4EB2-A521-E5EECA1D01CB}" type="datetimeFigureOut">
               <a:rPr lang="zh-CN" altLang="en-US" smtClean="0"/>
               <a:t>2024/3/10</a:t>
             </a:fld>
@@ -1409,7 +1409,7 @@
           <p:cNvPr id="6" name="页脚占位符 5">
             <a:extLst>
               <a:ext uri="{FF2B5EF4-FFF2-40B4-BE49-F238E27FC236}">
-                <a16:creationId xmlns:a16="http://schemas.microsoft.com/office/drawing/2014/main" id="{95C8A658-FAA6-62EE-F54B-F8CCEFF4C1DB}"/>
+                <a16:creationId xmlns:a16="http://schemas.microsoft.com/office/drawing/2014/main" id="{FA4C341C-B048-52BA-A5A6-5ED5DE6D87A2}"/>
               </a:ext>
             </a:extLst>
           </p:cNvPr>
@@ -1434,7 +1434,7 @@
           <p:cNvPr id="7" name="灯片编号占位符 6">
             <a:extLst>
               <a:ext uri="{FF2B5EF4-FFF2-40B4-BE49-F238E27FC236}">
-                <a16:creationId xmlns:a16="http://schemas.microsoft.com/office/drawing/2014/main" id="{A735A68F-E638-0925-C26C-C8245DA22F29}"/>
+                <a16:creationId xmlns:a16="http://schemas.microsoft.com/office/drawing/2014/main" id="{E2C51E25-7883-AAD9-A045-6D1AEFB18423}"/>
               </a:ext>
             </a:extLst>
           </p:cNvPr>
@@ -1450,7 +1450,7 @@
           <a:bodyPr/>
           <a:lstStyle/>
           <a:p>
-            <a:fld id="{062F8110-5C67-4BFC-BFA1-D26EC31FEBF0}" type="slidenum">
+            <a:fld id="{5C477F2F-1676-4003-9FC9-2E709787525D}" type="slidenum">
               <a:rPr lang="zh-CN" altLang="en-US" smtClean="0"/>
               <a:t>‹#›</a:t>
             </a:fld>
@@ -1461,7 +1461,7 @@
     </p:spTree>
     <p:extLst>
       <p:ext uri="{BB962C8B-B14F-4D97-AF65-F5344CB8AC3E}">
-        <p14:creationId xmlns:p14="http://schemas.microsoft.com/office/powerpoint/2010/main" val="649262242"/>
+        <p14:creationId xmlns:p14="http://schemas.microsoft.com/office/powerpoint/2010/main" val="2850298346"/>
       </p:ext>
     </p:extLst>
   </p:cSld>
@@ -1493,7 +1493,7 @@
           <p:cNvPr id="2" name="标题 1">
             <a:extLst>
               <a:ext uri="{FF2B5EF4-FFF2-40B4-BE49-F238E27FC236}">
-                <a16:creationId xmlns:a16="http://schemas.microsoft.com/office/drawing/2014/main" id="{9A34969F-5B23-DE65-620B-557321B39030}"/>
+                <a16:creationId xmlns:a16="http://schemas.microsoft.com/office/drawing/2014/main" id="{8EFA34FE-2495-0B65-56BD-5E2A6D13A7DA}"/>
               </a:ext>
             </a:extLst>
           </p:cNvPr>
@@ -1526,7 +1526,7 @@
           <p:cNvPr id="3" name="文本占位符 2">
             <a:extLst>
               <a:ext uri="{FF2B5EF4-FFF2-40B4-BE49-F238E27FC236}">
-                <a16:creationId xmlns:a16="http://schemas.microsoft.com/office/drawing/2014/main" id="{A6472AAD-E715-BDD7-6158-A96B38D2F44E}"/>
+                <a16:creationId xmlns:a16="http://schemas.microsoft.com/office/drawing/2014/main" id="{6A4B17EF-BE90-7F8D-E856-5CF537B363DC}"/>
               </a:ext>
             </a:extLst>
           </p:cNvPr>
@@ -1597,7 +1597,7 @@
           <p:cNvPr id="4" name="内容占位符 3">
             <a:extLst>
               <a:ext uri="{FF2B5EF4-FFF2-40B4-BE49-F238E27FC236}">
-                <a16:creationId xmlns:a16="http://schemas.microsoft.com/office/drawing/2014/main" id="{24DF88DC-E3BE-7E7F-C910-AD477F7202AD}"/>
+                <a16:creationId xmlns:a16="http://schemas.microsoft.com/office/drawing/2014/main" id="{21F8C498-9D4D-F76C-2E8C-A55379542889}"/>
               </a:ext>
             </a:extLst>
           </p:cNvPr>
@@ -1659,7 +1659,7 @@
           <p:cNvPr id="5" name="文本占位符 4">
             <a:extLst>
               <a:ext uri="{FF2B5EF4-FFF2-40B4-BE49-F238E27FC236}">
-                <a16:creationId xmlns:a16="http://schemas.microsoft.com/office/drawing/2014/main" id="{B75647CE-9D7D-6E99-D45C-425C510D6A47}"/>
+                <a16:creationId xmlns:a16="http://schemas.microsoft.com/office/drawing/2014/main" id="{66365DDD-15CC-0EF0-D5C5-D058BC5123EB}"/>
               </a:ext>
             </a:extLst>
           </p:cNvPr>
@@ -1730,7 +1730,7 @@
           <p:cNvPr id="6" name="内容占位符 5">
             <a:extLst>
               <a:ext uri="{FF2B5EF4-FFF2-40B4-BE49-F238E27FC236}">
-                <a16:creationId xmlns:a16="http://schemas.microsoft.com/office/drawing/2014/main" id="{FABDA764-5CD2-6543-789F-5BD4C0B5CABB}"/>
+                <a16:creationId xmlns:a16="http://schemas.microsoft.com/office/drawing/2014/main" id="{BAEAC9C5-C8F6-F8DF-991C-25100CF7AD32}"/>
               </a:ext>
             </a:extLst>
           </p:cNvPr>
@@ -1792,7 +1792,7 @@
           <p:cNvPr id="7" name="日期占位符 6">
             <a:extLst>
               <a:ext uri="{FF2B5EF4-FFF2-40B4-BE49-F238E27FC236}">
-                <a16:creationId xmlns:a16="http://schemas.microsoft.com/office/drawing/2014/main" id="{8DFE1C8F-B00D-8A5E-B880-33C87C70B0E6}"/>
+                <a16:creationId xmlns:a16="http://schemas.microsoft.com/office/drawing/2014/main" id="{08C7FB8D-F93A-E63C-28F5-859926C1B699}"/>
               </a:ext>
             </a:extLst>
           </p:cNvPr>
@@ -1808,7 +1808,7 @@
           <a:bodyPr/>
           <a:lstStyle/>
           <a:p>
-            <a:fld id="{DCC44405-8012-4602-95A8-2E5ED3C029F3}" type="datetimeFigureOut">
+            <a:fld id="{BD9B83D7-781A-4EB2-A521-E5EECA1D01CB}" type="datetimeFigureOut">
               <a:rPr lang="zh-CN" altLang="en-US" smtClean="0"/>
               <a:t>2024/3/10</a:t>
             </a:fld>
@@ -1821,7 +1821,7 @@
           <p:cNvPr id="8" name="页脚占位符 7">
             <a:extLst>
               <a:ext uri="{FF2B5EF4-FFF2-40B4-BE49-F238E27FC236}">
-                <a16:creationId xmlns:a16="http://schemas.microsoft.com/office/drawing/2014/main" id="{B233030B-52EC-A0A6-8E58-650F2B4D77A7}"/>
+                <a16:creationId xmlns:a16="http://schemas.microsoft.com/office/drawing/2014/main" id="{413C7488-EAB0-EB5B-57D5-6A44CE01A924}"/>
               </a:ext>
             </a:extLst>
           </p:cNvPr>
@@ -1846,7 +1846,7 @@
           <p:cNvPr id="9" name="灯片编号占位符 8">
             <a:extLst>
               <a:ext uri="{FF2B5EF4-FFF2-40B4-BE49-F238E27FC236}">
-                <a16:creationId xmlns:a16="http://schemas.microsoft.com/office/drawing/2014/main" id="{EAED0695-51C9-D123-5E2B-B521ABEF916E}"/>
+                <a16:creationId xmlns:a16="http://schemas.microsoft.com/office/drawing/2014/main" id="{9BBB64D9-BE44-DCAB-C6FB-4467174FDD30}"/>
               </a:ext>
             </a:extLst>
           </p:cNvPr>
@@ -1862,7 +1862,7 @@
           <a:bodyPr/>
           <a:lstStyle/>
           <a:p>
-            <a:fld id="{062F8110-5C67-4BFC-BFA1-D26EC31FEBF0}" type="slidenum">
+            <a:fld id="{5C477F2F-1676-4003-9FC9-2E709787525D}" type="slidenum">
               <a:rPr lang="zh-CN" altLang="en-US" smtClean="0"/>
               <a:t>‹#›</a:t>
             </a:fld>
@@ -1873,7 +1873,7 @@
     </p:spTree>
     <p:extLst>
       <p:ext uri="{BB962C8B-B14F-4D97-AF65-F5344CB8AC3E}">
-        <p14:creationId xmlns:p14="http://schemas.microsoft.com/office/powerpoint/2010/main" val="2230978310"/>
+        <p14:creationId xmlns:p14="http://schemas.microsoft.com/office/powerpoint/2010/main" val="1307414639"/>
       </p:ext>
     </p:extLst>
   </p:cSld>
@@ -1905,7 +1905,7 @@
           <p:cNvPr id="2" name="标题 1">
             <a:extLst>
               <a:ext uri="{FF2B5EF4-FFF2-40B4-BE49-F238E27FC236}">
-                <a16:creationId xmlns:a16="http://schemas.microsoft.com/office/drawing/2014/main" id="{6F41283C-3DC7-3E59-B52B-3A6059DBC8E5}"/>
+                <a16:creationId xmlns:a16="http://schemas.microsoft.com/office/drawing/2014/main" id="{E3645846-7E4F-68C8-CE12-F6B6C7CEFD67}"/>
               </a:ext>
             </a:extLst>
           </p:cNvPr>
@@ -1933,7 +1933,7 @@
           <p:cNvPr id="3" name="日期占位符 2">
             <a:extLst>
               <a:ext uri="{FF2B5EF4-FFF2-40B4-BE49-F238E27FC236}">
-                <a16:creationId xmlns:a16="http://schemas.microsoft.com/office/drawing/2014/main" id="{A1EEC0A3-C85C-1883-8D58-F67EE1F26C65}"/>
+                <a16:creationId xmlns:a16="http://schemas.microsoft.com/office/drawing/2014/main" id="{9E16A57E-D131-95C2-BF12-CB7B17C71014}"/>
               </a:ext>
             </a:extLst>
           </p:cNvPr>
@@ -1949,7 +1949,7 @@
           <a:bodyPr/>
           <a:lstStyle/>
           <a:p>
-            <a:fld id="{DCC44405-8012-4602-95A8-2E5ED3C029F3}" type="datetimeFigureOut">
+            <a:fld id="{BD9B83D7-781A-4EB2-A521-E5EECA1D01CB}" type="datetimeFigureOut">
               <a:rPr lang="zh-CN" altLang="en-US" smtClean="0"/>
               <a:t>2024/3/10</a:t>
             </a:fld>
@@ -1962,7 +1962,7 @@
           <p:cNvPr id="4" name="页脚占位符 3">
             <a:extLst>
               <a:ext uri="{FF2B5EF4-FFF2-40B4-BE49-F238E27FC236}">
-                <a16:creationId xmlns:a16="http://schemas.microsoft.com/office/drawing/2014/main" id="{1170582D-8F31-6148-F5DA-963274F88AC4}"/>
+                <a16:creationId xmlns:a16="http://schemas.microsoft.com/office/drawing/2014/main" id="{A13C38F5-770E-1E8E-3929-AF1B13170666}"/>
               </a:ext>
             </a:extLst>
           </p:cNvPr>
@@ -1987,7 +1987,7 @@
           <p:cNvPr id="5" name="灯片编号占位符 4">
             <a:extLst>
               <a:ext uri="{FF2B5EF4-FFF2-40B4-BE49-F238E27FC236}">
-                <a16:creationId xmlns:a16="http://schemas.microsoft.com/office/drawing/2014/main" id="{C6B72C4D-E1DF-C4AD-8645-CB2DCADA96F5}"/>
+                <a16:creationId xmlns:a16="http://schemas.microsoft.com/office/drawing/2014/main" id="{06A39E87-3B07-01F0-050C-0184B00D1B2D}"/>
               </a:ext>
             </a:extLst>
           </p:cNvPr>
@@ -2003,7 +2003,7 @@
           <a:bodyPr/>
           <a:lstStyle/>
           <a:p>
-            <a:fld id="{062F8110-5C67-4BFC-BFA1-D26EC31FEBF0}" type="slidenum">
+            <a:fld id="{5C477F2F-1676-4003-9FC9-2E709787525D}" type="slidenum">
               <a:rPr lang="zh-CN" altLang="en-US" smtClean="0"/>
               <a:t>‹#›</a:t>
             </a:fld>
@@ -2014,7 +2014,7 @@
     </p:spTree>
     <p:extLst>
       <p:ext uri="{BB962C8B-B14F-4D97-AF65-F5344CB8AC3E}">
-        <p14:creationId xmlns:p14="http://schemas.microsoft.com/office/powerpoint/2010/main" val="4173033228"/>
+        <p14:creationId xmlns:p14="http://schemas.microsoft.com/office/powerpoint/2010/main" val="1713182994"/>
       </p:ext>
     </p:extLst>
   </p:cSld>
@@ -2046,7 +2046,7 @@
           <p:cNvPr id="2" name="日期占位符 1">
             <a:extLst>
               <a:ext uri="{FF2B5EF4-FFF2-40B4-BE49-F238E27FC236}">
-                <a16:creationId xmlns:a16="http://schemas.microsoft.com/office/drawing/2014/main" id="{179641AA-DB68-0003-2EE9-B54B2823551F}"/>
+                <a16:creationId xmlns:a16="http://schemas.microsoft.com/office/drawing/2014/main" id="{EBF5B11C-CE5D-F34E-0C7E-F2D5385BD36A}"/>
               </a:ext>
             </a:extLst>
           </p:cNvPr>
@@ -2062,7 +2062,7 @@
           <a:bodyPr/>
           <a:lstStyle/>
           <a:p>
-            <a:fld id="{DCC44405-8012-4602-95A8-2E5ED3C029F3}" type="datetimeFigureOut">
+            <a:fld id="{BD9B83D7-781A-4EB2-A521-E5EECA1D01CB}" type="datetimeFigureOut">
               <a:rPr lang="zh-CN" altLang="en-US" smtClean="0"/>
               <a:t>2024/3/10</a:t>
             </a:fld>
@@ -2075,7 +2075,7 @@
           <p:cNvPr id="3" name="页脚占位符 2">
             <a:extLst>
               <a:ext uri="{FF2B5EF4-FFF2-40B4-BE49-F238E27FC236}">
-                <a16:creationId xmlns:a16="http://schemas.microsoft.com/office/drawing/2014/main" id="{59616F5C-AC8D-7F46-770D-E600CB19E1F4}"/>
+                <a16:creationId xmlns:a16="http://schemas.microsoft.com/office/drawing/2014/main" id="{AE8DCF43-D1FD-5400-CDB5-B74581057107}"/>
               </a:ext>
             </a:extLst>
           </p:cNvPr>
@@ -2100,7 +2100,7 @@
           <p:cNvPr id="4" name="灯片编号占位符 3">
             <a:extLst>
               <a:ext uri="{FF2B5EF4-FFF2-40B4-BE49-F238E27FC236}">
-                <a16:creationId xmlns:a16="http://schemas.microsoft.com/office/drawing/2014/main" id="{60338825-65DD-ABF0-165C-A7173B3B4E6C}"/>
+                <a16:creationId xmlns:a16="http://schemas.microsoft.com/office/drawing/2014/main" id="{BBC28A71-D37B-2227-8160-F11FEB160E9F}"/>
               </a:ext>
             </a:extLst>
           </p:cNvPr>
@@ -2116,7 +2116,7 @@
           <a:bodyPr/>
           <a:lstStyle/>
           <a:p>
-            <a:fld id="{062F8110-5C67-4BFC-BFA1-D26EC31FEBF0}" type="slidenum">
+            <a:fld id="{5C477F2F-1676-4003-9FC9-2E709787525D}" type="slidenum">
               <a:rPr lang="zh-CN" altLang="en-US" smtClean="0"/>
               <a:t>‹#›</a:t>
             </a:fld>
@@ -2127,7 +2127,7 @@
     </p:spTree>
     <p:extLst>
       <p:ext uri="{BB962C8B-B14F-4D97-AF65-F5344CB8AC3E}">
-        <p14:creationId xmlns:p14="http://schemas.microsoft.com/office/powerpoint/2010/main" val="3475531875"/>
+        <p14:creationId xmlns:p14="http://schemas.microsoft.com/office/powerpoint/2010/main" val="3638437441"/>
       </p:ext>
     </p:extLst>
   </p:cSld>
@@ -2159,7 +2159,7 @@
           <p:cNvPr id="2" name="标题 1">
             <a:extLst>
               <a:ext uri="{FF2B5EF4-FFF2-40B4-BE49-F238E27FC236}">
-                <a16:creationId xmlns:a16="http://schemas.microsoft.com/office/drawing/2014/main" id="{876A03EB-B4C0-67EB-6E7C-15886A53A452}"/>
+                <a16:creationId xmlns:a16="http://schemas.microsoft.com/office/drawing/2014/main" id="{196D71D9-A182-06FE-4A45-1876FA3D2F44}"/>
               </a:ext>
             </a:extLst>
           </p:cNvPr>
@@ -2196,7 +2196,7 @@
           <p:cNvPr id="3" name="内容占位符 2">
             <a:extLst>
               <a:ext uri="{FF2B5EF4-FFF2-40B4-BE49-F238E27FC236}">
-                <a16:creationId xmlns:a16="http://schemas.microsoft.com/office/drawing/2014/main" id="{A3A4D37A-F198-358C-EED2-2C44B691148F}"/>
+                <a16:creationId xmlns:a16="http://schemas.microsoft.com/office/drawing/2014/main" id="{D21583B6-D0D4-8E32-1A45-5CA0B709D06A}"/>
               </a:ext>
             </a:extLst>
           </p:cNvPr>
@@ -2286,7 +2286,7 @@
           <p:cNvPr id="4" name="文本占位符 3">
             <a:extLst>
               <a:ext uri="{FF2B5EF4-FFF2-40B4-BE49-F238E27FC236}">
-                <a16:creationId xmlns:a16="http://schemas.microsoft.com/office/drawing/2014/main" id="{1A4EB786-79F9-BCBD-8F28-CD0D1BF26111}"/>
+                <a16:creationId xmlns:a16="http://schemas.microsoft.com/office/drawing/2014/main" id="{CB8F23D2-5EA4-46A1-1343-32A840C02786}"/>
               </a:ext>
             </a:extLst>
           </p:cNvPr>
@@ -2357,7 +2357,7 @@
           <p:cNvPr id="5" name="日期占位符 4">
             <a:extLst>
               <a:ext uri="{FF2B5EF4-FFF2-40B4-BE49-F238E27FC236}">
-                <a16:creationId xmlns:a16="http://schemas.microsoft.com/office/drawing/2014/main" id="{31B6B876-527D-0399-E4FF-4A4DF7B7E4B7}"/>
+                <a16:creationId xmlns:a16="http://schemas.microsoft.com/office/drawing/2014/main" id="{9681476B-F749-6F8B-1D81-DC795EA1EDA0}"/>
               </a:ext>
             </a:extLst>
           </p:cNvPr>
@@ -2373,7 +2373,7 @@
           <a:bodyPr/>
           <a:lstStyle/>
           <a:p>
-            <a:fld id="{DCC44405-8012-4602-95A8-2E5ED3C029F3}" type="datetimeFigureOut">
+            <a:fld id="{BD9B83D7-781A-4EB2-A521-E5EECA1D01CB}" type="datetimeFigureOut">
               <a:rPr lang="zh-CN" altLang="en-US" smtClean="0"/>
               <a:t>2024/3/10</a:t>
             </a:fld>
@@ -2386,7 +2386,7 @@
           <p:cNvPr id="6" name="页脚占位符 5">
             <a:extLst>
               <a:ext uri="{FF2B5EF4-FFF2-40B4-BE49-F238E27FC236}">
-                <a16:creationId xmlns:a16="http://schemas.microsoft.com/office/drawing/2014/main" id="{6D65E8AD-1FA9-E8C6-300C-8704FFF83E39}"/>
+                <a16:creationId xmlns:a16="http://schemas.microsoft.com/office/drawing/2014/main" id="{3C515D27-361E-9801-11C0-DC02CE9A0F3D}"/>
               </a:ext>
             </a:extLst>
           </p:cNvPr>
@@ -2411,7 +2411,7 @@
           <p:cNvPr id="7" name="灯片编号占位符 6">
             <a:extLst>
               <a:ext uri="{FF2B5EF4-FFF2-40B4-BE49-F238E27FC236}">
-                <a16:creationId xmlns:a16="http://schemas.microsoft.com/office/drawing/2014/main" id="{92ACE3AD-9911-7A54-D94D-24BF5819FF1E}"/>
+                <a16:creationId xmlns:a16="http://schemas.microsoft.com/office/drawing/2014/main" id="{639739C0-9B45-2ED4-907D-469905DF9550}"/>
               </a:ext>
             </a:extLst>
           </p:cNvPr>
@@ -2427,7 +2427,7 @@
           <a:bodyPr/>
           <a:lstStyle/>
           <a:p>
-            <a:fld id="{062F8110-5C67-4BFC-BFA1-D26EC31FEBF0}" type="slidenum">
+            <a:fld id="{5C477F2F-1676-4003-9FC9-2E709787525D}" type="slidenum">
               <a:rPr lang="zh-CN" altLang="en-US" smtClean="0"/>
               <a:t>‹#›</a:t>
             </a:fld>
@@ -2438,7 +2438,7 @@
     </p:spTree>
     <p:extLst>
       <p:ext uri="{BB962C8B-B14F-4D97-AF65-F5344CB8AC3E}">
-        <p14:creationId xmlns:p14="http://schemas.microsoft.com/office/powerpoint/2010/main" val="1122590680"/>
+        <p14:creationId xmlns:p14="http://schemas.microsoft.com/office/powerpoint/2010/main" val="3721577637"/>
       </p:ext>
     </p:extLst>
   </p:cSld>
@@ -2470,7 +2470,7 @@
           <p:cNvPr id="2" name="标题 1">
             <a:extLst>
               <a:ext uri="{FF2B5EF4-FFF2-40B4-BE49-F238E27FC236}">
-                <a16:creationId xmlns:a16="http://schemas.microsoft.com/office/drawing/2014/main" id="{A9562054-39A5-EEFC-4430-6DFE177A7F5E}"/>
+                <a16:creationId xmlns:a16="http://schemas.microsoft.com/office/drawing/2014/main" id="{F94B3131-1AA8-264E-D011-982C42E77EFA}"/>
               </a:ext>
             </a:extLst>
           </p:cNvPr>
@@ -2507,7 +2507,7 @@
           <p:cNvPr id="3" name="图片占位符 2">
             <a:extLst>
               <a:ext uri="{FF2B5EF4-FFF2-40B4-BE49-F238E27FC236}">
-                <a16:creationId xmlns:a16="http://schemas.microsoft.com/office/drawing/2014/main" id="{27219097-90C5-3C83-F082-87B522A3FA07}"/>
+                <a16:creationId xmlns:a16="http://schemas.microsoft.com/office/drawing/2014/main" id="{7D6FC824-4BB9-97E7-2438-A01C74287FB4}"/>
               </a:ext>
             </a:extLst>
           </p:cNvPr>
@@ -2574,7 +2574,7 @@
           <p:cNvPr id="4" name="文本占位符 3">
             <a:extLst>
               <a:ext uri="{FF2B5EF4-FFF2-40B4-BE49-F238E27FC236}">
-                <a16:creationId xmlns:a16="http://schemas.microsoft.com/office/drawing/2014/main" id="{ECC6FCEC-4537-3BF7-A481-7A97F118AE2C}"/>
+                <a16:creationId xmlns:a16="http://schemas.microsoft.com/office/drawing/2014/main" id="{987601BF-0F07-0FD9-6FE3-C1423EFA8F68}"/>
               </a:ext>
             </a:extLst>
           </p:cNvPr>
@@ -2645,7 +2645,7 @@
           <p:cNvPr id="5" name="日期占位符 4">
             <a:extLst>
               <a:ext uri="{FF2B5EF4-FFF2-40B4-BE49-F238E27FC236}">
-                <a16:creationId xmlns:a16="http://schemas.microsoft.com/office/drawing/2014/main" id="{78F2779C-0E4F-CBD7-B15D-78DBD9A7FBF2}"/>
+                <a16:creationId xmlns:a16="http://schemas.microsoft.com/office/drawing/2014/main" id="{BF2DB874-081C-D23E-D3A7-FD8FE132F78E}"/>
               </a:ext>
             </a:extLst>
           </p:cNvPr>
@@ -2661,7 +2661,7 @@
           <a:bodyPr/>
           <a:lstStyle/>
           <a:p>
-            <a:fld id="{DCC44405-8012-4602-95A8-2E5ED3C029F3}" type="datetimeFigureOut">
+            <a:fld id="{BD9B83D7-781A-4EB2-A521-E5EECA1D01CB}" type="datetimeFigureOut">
               <a:rPr lang="zh-CN" altLang="en-US" smtClean="0"/>
               <a:t>2024/3/10</a:t>
             </a:fld>
@@ -2674,7 +2674,7 @@
           <p:cNvPr id="6" name="页脚占位符 5">
             <a:extLst>
               <a:ext uri="{FF2B5EF4-FFF2-40B4-BE49-F238E27FC236}">
-                <a16:creationId xmlns:a16="http://schemas.microsoft.com/office/drawing/2014/main" id="{4689D18A-781F-FD5D-5868-98BF80000238}"/>
+                <a16:creationId xmlns:a16="http://schemas.microsoft.com/office/drawing/2014/main" id="{FEF41B6B-D589-BE61-69E3-D7FC78E95488}"/>
               </a:ext>
             </a:extLst>
           </p:cNvPr>
@@ -2699,7 +2699,7 @@
           <p:cNvPr id="7" name="灯片编号占位符 6">
             <a:extLst>
               <a:ext uri="{FF2B5EF4-FFF2-40B4-BE49-F238E27FC236}">
-                <a16:creationId xmlns:a16="http://schemas.microsoft.com/office/drawing/2014/main" id="{2A65D77B-DB5B-4CD0-2746-9D166CBD132F}"/>
+                <a16:creationId xmlns:a16="http://schemas.microsoft.com/office/drawing/2014/main" id="{B328F8D1-B3E9-F499-14C5-6CBD5A1B76AF}"/>
               </a:ext>
             </a:extLst>
           </p:cNvPr>
@@ -2715,7 +2715,7 @@
           <a:bodyPr/>
           <a:lstStyle/>
           <a:p>
-            <a:fld id="{062F8110-5C67-4BFC-BFA1-D26EC31FEBF0}" type="slidenum">
+            <a:fld id="{5C477F2F-1676-4003-9FC9-2E709787525D}" type="slidenum">
               <a:rPr lang="zh-CN" altLang="en-US" smtClean="0"/>
               <a:t>‹#›</a:t>
             </a:fld>
@@ -2726,7 +2726,7 @@
     </p:spTree>
     <p:extLst>
       <p:ext uri="{BB962C8B-B14F-4D97-AF65-F5344CB8AC3E}">
-        <p14:creationId xmlns:p14="http://schemas.microsoft.com/office/powerpoint/2010/main" val="2087114508"/>
+        <p14:creationId xmlns:p14="http://schemas.microsoft.com/office/powerpoint/2010/main" val="3159287140"/>
       </p:ext>
     </p:extLst>
   </p:cSld>
@@ -2763,7 +2763,7 @@
           <p:cNvPr id="2" name="标题占位符 1">
             <a:extLst>
               <a:ext uri="{FF2B5EF4-FFF2-40B4-BE49-F238E27FC236}">
-                <a16:creationId xmlns:a16="http://schemas.microsoft.com/office/drawing/2014/main" id="{92691621-972D-42F6-8FC3-D48EA20BC01F}"/>
+                <a16:creationId xmlns:a16="http://schemas.microsoft.com/office/drawing/2014/main" id="{0B77AA17-2782-3C89-E715-CF1059CDBEA4}"/>
               </a:ext>
             </a:extLst>
           </p:cNvPr>
@@ -2801,7 +2801,7 @@
           <p:cNvPr id="3" name="文本占位符 2">
             <a:extLst>
               <a:ext uri="{FF2B5EF4-FFF2-40B4-BE49-F238E27FC236}">
-                <a16:creationId xmlns:a16="http://schemas.microsoft.com/office/drawing/2014/main" id="{1D4A5152-FA09-2B51-4198-B73E6F6D634F}"/>
+                <a16:creationId xmlns:a16="http://schemas.microsoft.com/office/drawing/2014/main" id="{65049842-89DB-1D35-910D-2553F42C1FD9}"/>
               </a:ext>
             </a:extLst>
           </p:cNvPr>
@@ -2868,7 +2868,7 @@
           <p:cNvPr id="4" name="日期占位符 3">
             <a:extLst>
               <a:ext uri="{FF2B5EF4-FFF2-40B4-BE49-F238E27FC236}">
-                <a16:creationId xmlns:a16="http://schemas.microsoft.com/office/drawing/2014/main" id="{D304AAF4-4D74-C96A-10DB-462E5BFF2611}"/>
+                <a16:creationId xmlns:a16="http://schemas.microsoft.com/office/drawing/2014/main" id="{47E638FC-0EE3-D35B-92B8-14C227CFFD58}"/>
               </a:ext>
             </a:extLst>
           </p:cNvPr>
@@ -2902,7 +2902,7 @@
             </a:lvl1pPr>
           </a:lstStyle>
           <a:p>
-            <a:fld id="{DCC44405-8012-4602-95A8-2E5ED3C029F3}" type="datetimeFigureOut">
+            <a:fld id="{BD9B83D7-781A-4EB2-A521-E5EECA1D01CB}" type="datetimeFigureOut">
               <a:rPr lang="zh-CN" altLang="en-US" smtClean="0"/>
               <a:t>2024/3/10</a:t>
             </a:fld>
@@ -2915,7 +2915,7 @@
           <p:cNvPr id="5" name="页脚占位符 4">
             <a:extLst>
               <a:ext uri="{FF2B5EF4-FFF2-40B4-BE49-F238E27FC236}">
-                <a16:creationId xmlns:a16="http://schemas.microsoft.com/office/drawing/2014/main" id="{A090DDA4-FD95-1AEB-7C18-9A9DB771683A}"/>
+                <a16:creationId xmlns:a16="http://schemas.microsoft.com/office/drawing/2014/main" id="{FA24E1FF-7626-F029-5324-953499F18DB5}"/>
               </a:ext>
             </a:extLst>
           </p:cNvPr>
@@ -2958,7 +2958,7 @@
           <p:cNvPr id="6" name="灯片编号占位符 5">
             <a:extLst>
               <a:ext uri="{FF2B5EF4-FFF2-40B4-BE49-F238E27FC236}">
-                <a16:creationId xmlns:a16="http://schemas.microsoft.com/office/drawing/2014/main" id="{DEA23E85-59B7-7091-CEFB-DE36BF34E3DD}"/>
+                <a16:creationId xmlns:a16="http://schemas.microsoft.com/office/drawing/2014/main" id="{A2F30CB3-82B3-D82C-ECC8-471A0095FF70}"/>
               </a:ext>
             </a:extLst>
           </p:cNvPr>
@@ -2992,7 +2992,7 @@
             </a:lvl1pPr>
           </a:lstStyle>
           <a:p>
-            <a:fld id="{062F8110-5C67-4BFC-BFA1-D26EC31FEBF0}" type="slidenum">
+            <a:fld id="{5C477F2F-1676-4003-9FC9-2E709787525D}" type="slidenum">
               <a:rPr lang="zh-CN" altLang="en-US" smtClean="0"/>
               <a:t>‹#›</a:t>
             </a:fld>
@@ -3003,7 +3003,7 @@
     </p:spTree>
     <p:extLst>
       <p:ext uri="{BB962C8B-B14F-4D97-AF65-F5344CB8AC3E}">
-        <p14:creationId xmlns:p14="http://schemas.microsoft.com/office/powerpoint/2010/main" val="4202001899"/>
+        <p14:creationId xmlns:p14="http://schemas.microsoft.com/office/powerpoint/2010/main" val="2785716746"/>
       </p:ext>
     </p:extLst>
   </p:cSld>
